--- a/middle-east/Konflikty na Bliskim Wschodzie.pptx
+++ b/middle-east/Konflikty na Bliskim Wschodzie.pptx
@@ -115,6 +115,11 @@
       </a:defRPr>
     </a:lvl9pPr>
   </p:defaultTextStyle>
+  <p:extLst>
+    <p:ext uri="{EFAFB233-063F-42B5-8137-9DF3F51BA10A}">
+      <p15:sldGuideLst xmlns:p15="http://schemas.microsoft.com/office/powerpoint/2012/main"/>
+    </p:ext>
+  </p:extLst>
 </p:presentation>
 </file>
 
@@ -268,7 +273,7 @@
           <a:p>
             <a:fld id="{D32947EC-FE1E-41D9-A880-F63662378BF6}" type="datetimeFigureOut">
               <a:rPr lang="pl-PL" smtClean="0"/>
-              <a:t>25.03.2025</a:t>
+              <a:t>02.04.2025</a:t>
             </a:fld>
             <a:endParaRPr lang="pl-PL"/>
           </a:p>
@@ -474,7 +479,7 @@
           <a:p>
             <a:fld id="{D32947EC-FE1E-41D9-A880-F63662378BF6}" type="datetimeFigureOut">
               <a:rPr lang="pl-PL" smtClean="0"/>
-              <a:t>25.03.2025</a:t>
+              <a:t>02.04.2025</a:t>
             </a:fld>
             <a:endParaRPr lang="pl-PL"/>
           </a:p>
@@ -685,7 +690,7 @@
           <a:p>
             <a:fld id="{D32947EC-FE1E-41D9-A880-F63662378BF6}" type="datetimeFigureOut">
               <a:rPr lang="pl-PL" smtClean="0"/>
-              <a:t>25.03.2025</a:t>
+              <a:t>02.04.2025</a:t>
             </a:fld>
             <a:endParaRPr lang="pl-PL"/>
           </a:p>
@@ -891,7 +896,7 @@
           <a:p>
             <a:fld id="{D32947EC-FE1E-41D9-A880-F63662378BF6}" type="datetimeFigureOut">
               <a:rPr lang="pl-PL" smtClean="0"/>
-              <a:t>25.03.2025</a:t>
+              <a:t>02.04.2025</a:t>
             </a:fld>
             <a:endParaRPr lang="pl-PL"/>
           </a:p>
@@ -1169,7 +1174,7 @@
           <a:p>
             <a:fld id="{D32947EC-FE1E-41D9-A880-F63662378BF6}" type="datetimeFigureOut">
               <a:rPr lang="pl-PL" smtClean="0"/>
-              <a:t>25.03.2025</a:t>
+              <a:t>02.04.2025</a:t>
             </a:fld>
             <a:endParaRPr lang="pl-PL"/>
           </a:p>
@@ -1440,7 +1445,7 @@
           <a:p>
             <a:fld id="{D32947EC-FE1E-41D9-A880-F63662378BF6}" type="datetimeFigureOut">
               <a:rPr lang="pl-PL" smtClean="0"/>
-              <a:t>25.03.2025</a:t>
+              <a:t>02.04.2025</a:t>
             </a:fld>
             <a:endParaRPr lang="pl-PL"/>
           </a:p>
@@ -1864,7 +1869,7 @@
           <a:p>
             <a:fld id="{D32947EC-FE1E-41D9-A880-F63662378BF6}" type="datetimeFigureOut">
               <a:rPr lang="pl-PL" smtClean="0"/>
-              <a:t>25.03.2025</a:t>
+              <a:t>02.04.2025</a:t>
             </a:fld>
             <a:endParaRPr lang="pl-PL"/>
           </a:p>
@@ -2005,7 +2010,7 @@
           <a:p>
             <a:fld id="{D32947EC-FE1E-41D9-A880-F63662378BF6}" type="datetimeFigureOut">
               <a:rPr lang="pl-PL" smtClean="0"/>
-              <a:t>25.03.2025</a:t>
+              <a:t>02.04.2025</a:t>
             </a:fld>
             <a:endParaRPr lang="pl-PL"/>
           </a:p>
@@ -2118,7 +2123,7 @@
           <a:p>
             <a:fld id="{D32947EC-FE1E-41D9-A880-F63662378BF6}" type="datetimeFigureOut">
               <a:rPr lang="pl-PL" smtClean="0"/>
-              <a:t>25.03.2025</a:t>
+              <a:t>02.04.2025</a:t>
             </a:fld>
             <a:endParaRPr lang="pl-PL"/>
           </a:p>
@@ -2435,7 +2440,7 @@
           <a:p>
             <a:fld id="{D32947EC-FE1E-41D9-A880-F63662378BF6}" type="datetimeFigureOut">
               <a:rPr lang="pl-PL" smtClean="0"/>
-              <a:t>25.03.2025</a:t>
+              <a:t>02.04.2025</a:t>
             </a:fld>
             <a:endParaRPr lang="pl-PL"/>
           </a:p>
@@ -2729,7 +2734,7 @@
           <a:p>
             <a:fld id="{D32947EC-FE1E-41D9-A880-F63662378BF6}" type="datetimeFigureOut">
               <a:rPr lang="pl-PL" smtClean="0"/>
-              <a:t>25.03.2025</a:t>
+              <a:t>02.04.2025</a:t>
             </a:fld>
             <a:endParaRPr lang="pl-PL"/>
           </a:p>
@@ -2903,7 +2908,7 @@
           <a:p>
             <a:fld id="{D32947EC-FE1E-41D9-A880-F63662378BF6}" type="datetimeFigureOut">
               <a:rPr lang="pl-PL" smtClean="0"/>
-              <a:t>25.03.2025</a:t>
+              <a:t>02.04.2025</a:t>
             </a:fld>
             <a:endParaRPr lang="pl-PL"/>
           </a:p>
@@ -3700,7 +3705,20 @@
           <a:p>
             <a:r>
               <a:rPr lang="pl-PL" dirty="0"/>
-              <a:t>Dokładny opis kategorii zdarzeń: https://acleddata.com/2019/03/14/acled-introduces-new-event-types-and-sub-event-types/</a:t>
+              <a:t>Dokładny opis kategorii zdarzeń: </a:t>
+            </a:r>
+            <a:r>
+              <a:rPr lang="pl-PL" dirty="0">
+                <a:hlinkClick r:id="rId2"/>
+              </a:rPr>
+              <a:t>https://acleddata.com/2019/03/14/acled-introduces-new-event-types-and-sub-event-types/</a:t>
+            </a:r>
+            <a:endParaRPr lang="pl-PL" dirty="0"/>
+          </a:p>
+          <a:p>
+            <a:r>
+              <a:rPr lang="pl-PL" dirty="0"/>
+              <a:t>Kraje: Palestyna, Jemen, Bahrajn, Iran, Irak, Izrael, Liban, Syria, Turcja, Jordania, Arabia Saudyjska, ZEA, Oman, Kuwejt, Katar</a:t>
             </a:r>
           </a:p>
         </p:txBody>
@@ -3929,15 +3947,22 @@
             <p:ph type="title"/>
           </p:nvPr>
         </p:nvSpPr>
-        <p:spPr/>
-        <p:txBody>
-          <a:bodyPr/>
+        <p:spPr>
+          <a:xfrm>
+            <a:off x="411173" y="195073"/>
+            <a:ext cx="11199866" cy="908303"/>
+          </a:xfrm>
+        </p:spPr>
+        <p:txBody>
+          <a:bodyPr>
+            <a:normAutofit fontScale="90000"/>
+          </a:bodyPr>
           <a:lstStyle/>
           <a:p>
             <a:pPr algn="ctr"/>
             <a:r>
               <a:rPr lang="pl-PL" dirty="0"/>
-              <a:t>Zmiana ilości zdarzeń wg ich kategorii</a:t>
+              <a:t>Ilość zdarzeń wg ich kategorii – wykres skumulowany</a:t>
             </a:r>
           </a:p>
         </p:txBody>
